--- a/EfficientNet_Image_Classification.pptx
+++ b/EfficientNet_Image_Classification.pptx
@@ -40858,7 +40858,7 @@
             <a:tbl>
               <a:tblPr>
                 <a:noFill/>
-                <a:tableStyleId>{8982C0F6-8211-40F7-ACC0-6D3F6DF9B31A}</a:tableStyleId>
+                <a:tableStyleId>{C40D7D40-05EE-4368-9ADF-0FD54D62B33C}</a:tableStyleId>
               </a:tblPr>
               <a:tblGrid>
                 <a:gridCol w="2413000"/>
